--- a/rel-electro-immersif-src/v1/couverture.pptx
+++ b/rel-electro-immersif-src/v1/couverture.pptx
@@ -425,7 +425,7 @@
           <a:p>
             <a:fld id="{7D9CCBF0-3A07-3941-9BCD-AAAB35C397AE}" type="datetimeFigureOut">
               <a:rPr lang="fr-FR" smtClean="0"/>
-              <a:t>24/02/2023</a:t>
+              <a:t>01/03/2023</a:t>
             </a:fld>
             <a:endParaRPr lang="fr-FR"/>
           </a:p>
@@ -625,7 +625,7 @@
           <a:p>
             <a:fld id="{7D9CCBF0-3A07-3941-9BCD-AAAB35C397AE}" type="datetimeFigureOut">
               <a:rPr lang="fr-FR" smtClean="0"/>
-              <a:t>24/02/2023</a:t>
+              <a:t>01/03/2023</a:t>
             </a:fld>
             <a:endParaRPr lang="fr-FR"/>
           </a:p>
@@ -835,7 +835,7 @@
           <a:p>
             <a:fld id="{7D9CCBF0-3A07-3941-9BCD-AAAB35C397AE}" type="datetimeFigureOut">
               <a:rPr lang="fr-FR" smtClean="0"/>
-              <a:t>24/02/2023</a:t>
+              <a:t>01/03/2023</a:t>
             </a:fld>
             <a:endParaRPr lang="fr-FR"/>
           </a:p>
@@ -1035,7 +1035,7 @@
           <a:p>
             <a:fld id="{7D9CCBF0-3A07-3941-9BCD-AAAB35C397AE}" type="datetimeFigureOut">
               <a:rPr lang="fr-FR" smtClean="0"/>
-              <a:t>24/02/2023</a:t>
+              <a:t>01/03/2023</a:t>
             </a:fld>
             <a:endParaRPr lang="fr-FR"/>
           </a:p>
@@ -1311,7 +1311,7 @@
           <a:p>
             <a:fld id="{7D9CCBF0-3A07-3941-9BCD-AAAB35C397AE}" type="datetimeFigureOut">
               <a:rPr lang="fr-FR" smtClean="0"/>
-              <a:t>24/02/2023</a:t>
+              <a:t>01/03/2023</a:t>
             </a:fld>
             <a:endParaRPr lang="fr-FR"/>
           </a:p>
@@ -1579,7 +1579,7 @@
           <a:p>
             <a:fld id="{7D9CCBF0-3A07-3941-9BCD-AAAB35C397AE}" type="datetimeFigureOut">
               <a:rPr lang="fr-FR" smtClean="0"/>
-              <a:t>24/02/2023</a:t>
+              <a:t>01/03/2023</a:t>
             </a:fld>
             <a:endParaRPr lang="fr-FR"/>
           </a:p>
@@ -1994,7 +1994,7 @@
           <a:p>
             <a:fld id="{7D9CCBF0-3A07-3941-9BCD-AAAB35C397AE}" type="datetimeFigureOut">
               <a:rPr lang="fr-FR" smtClean="0"/>
-              <a:t>24/02/2023</a:t>
+              <a:t>01/03/2023</a:t>
             </a:fld>
             <a:endParaRPr lang="fr-FR"/>
           </a:p>
@@ -2136,7 +2136,7 @@
           <a:p>
             <a:fld id="{7D9CCBF0-3A07-3941-9BCD-AAAB35C397AE}" type="datetimeFigureOut">
               <a:rPr lang="fr-FR" smtClean="0"/>
-              <a:t>24/02/2023</a:t>
+              <a:t>01/03/2023</a:t>
             </a:fld>
             <a:endParaRPr lang="fr-FR"/>
           </a:p>
@@ -2249,7 +2249,7 @@
           <a:p>
             <a:fld id="{7D9CCBF0-3A07-3941-9BCD-AAAB35C397AE}" type="datetimeFigureOut">
               <a:rPr lang="fr-FR" smtClean="0"/>
-              <a:t>24/02/2023</a:t>
+              <a:t>01/03/2023</a:t>
             </a:fld>
             <a:endParaRPr lang="fr-FR"/>
           </a:p>
@@ -2562,7 +2562,7 @@
           <a:p>
             <a:fld id="{7D9CCBF0-3A07-3941-9BCD-AAAB35C397AE}" type="datetimeFigureOut">
               <a:rPr lang="fr-FR" smtClean="0"/>
-              <a:t>24/02/2023</a:t>
+              <a:t>01/03/2023</a:t>
             </a:fld>
             <a:endParaRPr lang="fr-FR"/>
           </a:p>
@@ -2851,7 +2851,7 @@
           <a:p>
             <a:fld id="{7D9CCBF0-3A07-3941-9BCD-AAAB35C397AE}" type="datetimeFigureOut">
               <a:rPr lang="fr-FR" smtClean="0"/>
-              <a:t>24/02/2023</a:t>
+              <a:t>01/03/2023</a:t>
             </a:fld>
             <a:endParaRPr lang="fr-FR"/>
           </a:p>
@@ -3094,7 +3094,7 @@
           <a:p>
             <a:fld id="{7D9CCBF0-3A07-3941-9BCD-AAAB35C397AE}" type="datetimeFigureOut">
               <a:rPr lang="fr-FR" smtClean="0"/>
-              <a:t>24/02/2023</a:t>
+              <a:t>01/03/2023</a:t>
             </a:fld>
             <a:endParaRPr lang="fr-FR"/>
           </a:p>
@@ -3526,7 +3526,7 @@
         <p:spPr>
           <a:xfrm>
             <a:off x="260102" y="260746"/>
-            <a:ext cx="8186173" cy="2322367"/>
+            <a:ext cx="9109604" cy="2322367"/>
           </a:xfrm>
           <a:prstGeom prst="rect">
             <a:avLst/>
@@ -3777,7 +3777,7 @@
         <p:spPr>
           <a:xfrm>
             <a:off x="308906" y="2379813"/>
-            <a:ext cx="7323794" cy="307777"/>
+            <a:ext cx="7323794" cy="523220"/>
           </a:xfrm>
           <a:prstGeom prst="rect">
             <a:avLst/>
@@ -3798,6 +3798,17 @@
                 <a:cs typeface="Arial" panose="020B0604020202020204" pitchFamily="34" charset="0"/>
               </a:rPr>
               <a:t>Sous la direction de Thomas O Fredericks avec la collaboration de Guillaume Arseneault</a:t>
+            </a:r>
+          </a:p>
+          <a:p>
+            <a:pPr indent="-385200"/>
+            <a:r>
+              <a:rPr lang="fr-FR" sz="1400" dirty="0">
+                <a:latin typeface="Arial" panose="020B0604020202020204" pitchFamily="34" charset="0"/>
+                <a:ea typeface="HGMaruGothicMPRO" panose="020B0400000000000000" pitchFamily="34" charset="-128"/>
+                <a:cs typeface="Arial" panose="020B0604020202020204" pitchFamily="34" charset="0"/>
+              </a:rPr>
+              <a:t>Version 1 (1er mars 2023)</a:t>
             </a:r>
           </a:p>
         </p:txBody>
